--- a/slides/pptx/week08.pptx
+++ b/slides/pptx/week08.pptx
@@ -6276,6 +6276,58 @@
               <a:t>A User-Programmable Vertex Engine</a:t>
             </a:r>
           </a:p>
+          <a:p>
+            <a:pPr lvl="1"/>
+            <a:r>
+              <a:rPr/>
+              <a:t>Heckbert 1990 </a:t>
+            </a:r>
+            <a:r>
+              <a:rPr>
+                <a:hlinkClick r:id="rId11"/>
+              </a:rPr>
+              <a:t>Adaptive Radiosity Textures for Bidirectional Ray Tracing</a:t>
+            </a:r>
+          </a:p>
+          <a:p>
+            <a:pPr lvl="1"/>
+            <a:r>
+              <a:rPr/>
+              <a:t>Heitz 2014 </a:t>
+            </a:r>
+            <a:r>
+              <a:rPr>
+                <a:hlinkClick r:id="rId12"/>
+              </a:rPr>
+              <a:t>Understanding the Masking-Shadowing Function in Microfacet-Based BRDFs</a:t>
+            </a:r>
+          </a:p>
+          <a:p>
+            <a:pPr lvl="1"/>
+            <a:r>
+              <a:rPr/>
+              <a:t>Hosek &amp; Wilkie 2012 </a:t>
+            </a:r>
+            <a:r>
+              <a:rPr>
+                <a:hlinkClick r:id="rId13"/>
+              </a:rPr>
+              <a:t>An analytic model for full spectral sky-dome radiance</a:t>
+            </a:r>
+          </a:p>
+          <a:p>
+            <a:pPr lvl="1"/>
+            <a:r>
+              <a:rPr/>
+              <a:t>Jarosz et al 2008 </a:t>
+            </a:r>
+            <a:r>
+              <a:rPr>
+                <a:hlinkClick r:id="rId14"/>
+              </a:rPr>
+              <a:t>Radiance Caching for Participating Media</a:t>
+            </a:r>
+          </a:p>
         </p:txBody>
       </p:sp>
     </p:spTree>
